--- a/Session-19/Shell_Scripting.pptx
+++ b/Session-19/Shell_Scripting.pptx
@@ -9197,17 +9197,6 @@
             </a:r>
           </a:p>
           <a:p>
-            <a:pPr lvl="1" marL="639762" indent="-273050">
-              <a:spcBef>
-                <a:spcPts val="500"/>
-              </a:spcBef>
-              <a:defRPr sz="2100"/>
-            </a:pPr>
-            <a:r>
-              <a:t>Arrays</a:t>
-            </a:r>
-          </a:p>
-          <a:p>
             <a:pPr>
               <a:buChar char="○"/>
             </a:pPr>
@@ -9691,20 +9680,6 @@
             </a:pPr>
             <a:r>
               <a:t>for</a:t>
-            </a:r>
-          </a:p>
-          <a:p>
-            <a:pPr lvl="1" marL="639762" indent="-273050">
-              <a:lnSpc>
-                <a:spcPct val="90000"/>
-              </a:lnSpc>
-              <a:spcBef>
-                <a:spcPts val="500"/>
-              </a:spcBef>
-              <a:defRPr sz="2100"/>
-            </a:pPr>
-            <a:r>
-              <a:t>select</a:t>
             </a:r>
           </a:p>
           <a:p>
@@ -14494,7 +14469,7 @@
         </p:nvSpPr>
         <p:spPr>
           <a:xfrm>
-            <a:off x="457200" y="1600200"/>
+            <a:off x="723900" y="1676400"/>
             <a:ext cx="7467600" cy="4873625"/>
           </a:xfrm>
           <a:prstGeom prst="rect">
